--- a/yellow.pptx
+++ b/yellow.pptx
@@ -257,7 +257,7 @@
           <a:p>
             <a:fld id="{4066312F-7698-4F0F-9A70-3E64A355B831}" type="datetimeFigureOut">
               <a:rPr lang="en-US" smtClean="0"/>
-              <a:t>08-May-24</a:t>
+              <a:t>5/9/2024</a:t>
             </a:fld>
             <a:endParaRPr lang="en-US"/>
           </a:p>
@@ -435,7 +435,7 @@
           <a:p>
             <a:fld id="{3AEE4C26-09E7-49B0-B22F-A5CFFF3D3B56}" type="datetimeFigureOut">
               <a:rPr lang="en-US" smtClean="0"/>
-              <a:t>08-May-24</a:t>
+              <a:t>5/9/2024</a:t>
             </a:fld>
             <a:endParaRPr lang="en-US"/>
           </a:p>
@@ -4869,20 +4869,158 @@
         </p:nvSpPr>
         <p:spPr/>
         <p:txBody>
-          <a:bodyPr/>
+          <a:bodyPr>
+            <a:normAutofit fontScale="92500" lnSpcReduction="20000"/>
+          </a:bodyPr>
           <a:lstStyle/>
           <a:p>
             <a:pPr marL="0" indent="0">
               <a:buNone/>
             </a:pPr>
             <a:r>
-              <a:rPr lang="en-US" b="1"/>
-              <a:t>Automatized Unit Test</a:t>
-            </a:r>
-            <a:endParaRPr lang="en-US" sz="2800" b="1"/>
-          </a:p>
-          <a:p>
-            <a:endParaRPr lang="en-US"/>
+              <a:rPr lang="en-US" b="1" dirty="0"/>
+              <a:t>Automated Unit Test</a:t>
+            </a:r>
+          </a:p>
+          <a:p>
+            <a:pPr marL="0" indent="0">
+              <a:buNone/>
+            </a:pPr>
+            <a:r>
+              <a:rPr lang="en-US" i="0" dirty="0">
+                <a:effectLst/>
+                <a:highlight>
+                  <a:srgbClr val="FFFFFF"/>
+                </a:highlight>
+                <a:latin typeface="zeitung"/>
+              </a:rPr>
+              <a:t>Trustworthy</a:t>
+            </a:r>
+          </a:p>
+          <a:p>
+            <a:pPr marL="0" indent="0">
+              <a:buNone/>
+            </a:pPr>
+            <a:r>
+              <a:rPr lang="en-US" i="0" dirty="0">
+                <a:effectLst/>
+                <a:highlight>
+                  <a:srgbClr val="FFFFFF"/>
+                </a:highlight>
+                <a:latin typeface="zeitung"/>
+              </a:rPr>
+              <a:t>Maintainable &amp; Readable</a:t>
+            </a:r>
+          </a:p>
+          <a:p>
+            <a:pPr marL="0" indent="0">
+              <a:buNone/>
+            </a:pPr>
+            <a:r>
+              <a:rPr lang="en-US" i="0" dirty="0">
+                <a:effectLst/>
+                <a:highlight>
+                  <a:srgbClr val="FFFFFF"/>
+                </a:highlight>
+                <a:latin typeface="zeitung"/>
+              </a:rPr>
+              <a:t>Verify a Single Use Case</a:t>
+            </a:r>
+          </a:p>
+          <a:p>
+            <a:pPr marL="0" indent="0">
+              <a:buNone/>
+            </a:pPr>
+            <a:r>
+              <a:rPr lang="en-US" i="0" dirty="0">
+                <a:effectLst/>
+                <a:highlight>
+                  <a:srgbClr val="FFFFFF"/>
+                </a:highlight>
+                <a:latin typeface="zeitung"/>
+              </a:rPr>
+              <a:t>Isolated</a:t>
+            </a:r>
+          </a:p>
+          <a:p>
+            <a:pPr marL="0" indent="0">
+              <a:buNone/>
+            </a:pPr>
+            <a:r>
+              <a:rPr lang="en-US" i="0" dirty="0">
+                <a:effectLst/>
+                <a:highlight>
+                  <a:srgbClr val="FFFFFF"/>
+                </a:highlight>
+                <a:latin typeface="zeitung"/>
+              </a:rPr>
+              <a:t>Automated</a:t>
+            </a:r>
+          </a:p>
+          <a:p>
+            <a:pPr marL="0" indent="0">
+              <a:buNone/>
+            </a:pPr>
+            <a:endParaRPr lang="en-US" i="0" dirty="0">
+              <a:effectLst/>
+              <a:highlight>
+                <a:srgbClr val="FFFFFF"/>
+              </a:highlight>
+              <a:latin typeface="zeitung"/>
+            </a:endParaRPr>
+          </a:p>
+          <a:p>
+            <a:pPr marL="0" indent="0">
+              <a:buNone/>
+            </a:pPr>
+            <a:endParaRPr lang="en-US" b="1" dirty="0"/>
+          </a:p>
+          <a:p>
+            <a:pPr algn="l" fontAlgn="base">
+              <a:buFont typeface="Arial" panose="020B0604020202020204" pitchFamily="34" charset="0"/>
+              <a:buChar char="•"/>
+            </a:pPr>
+            <a:r>
+              <a:rPr lang="en-US" b="0" i="0" dirty="0">
+                <a:solidFill>
+                  <a:srgbClr val="4B4F58"/>
+                </a:solidFill>
+                <a:effectLst/>
+                <a:highlight>
+                  <a:srgbClr val="FFFFFF"/>
+                </a:highlight>
+                <a:latin typeface="-apple-system"/>
+              </a:rPr>
+              <a:t>They save time.</a:t>
+            </a:r>
+          </a:p>
+          <a:p>
+            <a:pPr algn="l" fontAlgn="base">
+              <a:buFont typeface="Arial" panose="020B0604020202020204" pitchFamily="34" charset="0"/>
+              <a:buChar char="•"/>
+            </a:pPr>
+            <a:r>
+              <a:rPr lang="en-US" b="0" i="0" dirty="0">
+                <a:solidFill>
+                  <a:srgbClr val="4B4F58"/>
+                </a:solidFill>
+                <a:effectLst/>
+                <a:highlight>
+                  <a:srgbClr val="FFFFFF"/>
+                </a:highlight>
+                <a:latin typeface="-apple-system"/>
+              </a:rPr>
+              <a:t>They take fear.</a:t>
+            </a:r>
+          </a:p>
+          <a:p>
+            <a:pPr marL="0" indent="0">
+              <a:buNone/>
+            </a:pPr>
+            <a:endParaRPr lang="en-US" sz="2800" b="1" dirty="0"/>
+          </a:p>
+          <a:p>
+            <a:endParaRPr lang="en-US" dirty="0"/>
           </a:p>
         </p:txBody>
       </p:sp>
@@ -5063,18 +5201,63 @@
               <a:buNone/>
             </a:pPr>
             <a:r>
-              <a:rPr lang="en-US" sz="2800" b="1"/>
-              <a:t>Mockups (Testdummies)</a:t>
+              <a:rPr lang="en-US" sz="2800" b="1" dirty="0"/>
+              <a:t>Mockups (</a:t>
+            </a:r>
+            <a:r>
+              <a:rPr lang="en-US" sz="2800" b="1" dirty="0" err="1"/>
+              <a:t>Testdummies</a:t>
+            </a:r>
+            <a:r>
+              <a:rPr lang="en-US" sz="2800" b="1" dirty="0"/>
+              <a:t>)</a:t>
             </a:r>
           </a:p>
           <a:p>
             <a:pPr marL="0" indent="0">
               <a:buNone/>
             </a:pPr>
-            <a:endParaRPr lang="en-US" sz="2800" b="1"/>
-          </a:p>
-          <a:p>
-            <a:endParaRPr lang="en-US"/>
+            <a:r>
+              <a:rPr lang="en-US" dirty="0"/>
+              <a:t>Components use other components -&gt; remove dependencies</a:t>
+            </a:r>
+          </a:p>
+          <a:p>
+            <a:pPr marL="0" indent="0">
+              <a:buNone/>
+            </a:pPr>
+            <a:r>
+              <a:rPr lang="en-US" sz="2800" dirty="0"/>
+              <a:t>Alter solution using Mockups instead of real component</a:t>
+            </a:r>
+          </a:p>
+          <a:p>
+            <a:pPr marL="0" indent="0">
+              <a:buNone/>
+            </a:pPr>
+            <a:endParaRPr lang="en-US" dirty="0"/>
+          </a:p>
+          <a:p>
+            <a:pPr marL="0" indent="0">
+              <a:buNone/>
+            </a:pPr>
+            <a:r>
+              <a:rPr lang="en-US" b="0" i="0" dirty="0">
+                <a:solidFill>
+                  <a:srgbClr val="4B4F58"/>
+                </a:solidFill>
+                <a:effectLst/>
+                <a:highlight>
+                  <a:srgbClr val="D3D3D3"/>
+                </a:highlight>
+                <a:latin typeface="-apple-system"/>
+              </a:rPr>
+              <a:t>make controllable tests possible.</a:t>
+            </a:r>
+            <a:endParaRPr lang="en-US" sz="2800" dirty="0"/>
+          </a:p>
+          <a:p>
+            <a:endParaRPr lang="en-US" dirty="0"/>
           </a:p>
         </p:txBody>
       </p:sp>
@@ -5248,25 +5431,93 @@
         </p:nvSpPr>
         <p:spPr/>
         <p:txBody>
-          <a:bodyPr/>
+          <a:bodyPr>
+            <a:normAutofit/>
+          </a:bodyPr>
           <a:lstStyle/>
           <a:p>
             <a:pPr marL="0" indent="0">
               <a:buNone/>
             </a:pPr>
             <a:r>
-              <a:rPr lang="en-US" sz="2800" b="1"/>
-              <a:t>Mockups (Testdummies)</a:t>
-            </a:r>
+              <a:rPr lang="en-US" sz="2800" b="1" dirty="0"/>
+              <a:t>Code Coverage </a:t>
+            </a:r>
+            <a:r>
+              <a:rPr lang="en-US" sz="2800" b="1" dirty="0" err="1"/>
+              <a:t>Analyse</a:t>
+            </a:r>
+            <a:endParaRPr lang="en-US" sz="2800" b="1" dirty="0"/>
           </a:p>
           <a:p>
             <a:pPr marL="0" indent="0">
               <a:buNone/>
             </a:pPr>
-            <a:endParaRPr lang="en-US" sz="2800" b="1"/>
-          </a:p>
-          <a:p>
-            <a:endParaRPr lang="en-US"/>
+            <a:r>
+              <a:rPr lang="en-US" b="0" i="0" dirty="0">
+                <a:solidFill>
+                  <a:srgbClr val="172B4D"/>
+                </a:solidFill>
+                <a:effectLst/>
+                <a:highlight>
+                  <a:srgbClr val="FFFFFF"/>
+                </a:highlight>
+                <a:latin typeface="-apple-system"/>
+              </a:rPr>
+              <a:t>Code Coverage Analysis is the process of discovering code within a program that is not being exercised by test cases. This information can then be used to improve the test suite, either by adding tests or modifying existing tests to increase coverage.</a:t>
+            </a:r>
+            <a:endParaRPr lang="en-US" b="1" i="0" dirty="0">
+              <a:solidFill>
+                <a:srgbClr val="172B4D"/>
+              </a:solidFill>
+              <a:effectLst/>
+              <a:highlight>
+                <a:srgbClr val="FFFFFF"/>
+              </a:highlight>
+              <a:latin typeface="-apple-system"/>
+            </a:endParaRPr>
+          </a:p>
+          <a:p>
+            <a:pPr marL="0" indent="0">
+              <a:buNone/>
+            </a:pPr>
+            <a:endParaRPr lang="en-US" sz="2800" b="1" dirty="0">
+              <a:solidFill>
+                <a:srgbClr val="172B4D"/>
+              </a:solidFill>
+              <a:highlight>
+                <a:srgbClr val="FFFFFF"/>
+              </a:highlight>
+              <a:latin typeface="-apple-system"/>
+            </a:endParaRPr>
+          </a:p>
+          <a:p>
+            <a:pPr marL="0" indent="0">
+              <a:buNone/>
+            </a:pPr>
+            <a:r>
+              <a:rPr lang="en-US" b="0" i="0" dirty="0">
+                <a:solidFill>
+                  <a:srgbClr val="172B4D"/>
+                </a:solidFill>
+                <a:effectLst/>
+                <a:highlight>
+                  <a:srgbClr val="FFFFFF"/>
+                </a:highlight>
+                <a:latin typeface="-apple-system"/>
+              </a:rPr>
+              <a:t>Code Coverage Analysis shines a light on the quality of your unit testing. It enables developers to quickly and easily improve the quality of their unit tests which ultimately leads to improved quality of the software under development.</a:t>
+            </a:r>
+            <a:endParaRPr lang="en-US" sz="2800" b="1" dirty="0"/>
+          </a:p>
+          <a:p>
+            <a:pPr marL="0" indent="0">
+              <a:buNone/>
+            </a:pPr>
+            <a:endParaRPr lang="en-US" sz="2800" b="1" dirty="0"/>
+          </a:p>
+          <a:p>
+            <a:endParaRPr lang="en-US" dirty="0"/>
           </a:p>
         </p:txBody>
       </p:sp>
@@ -5447,7 +5698,7 @@
               <a:buNone/>
             </a:pPr>
             <a:r>
-              <a:rPr lang="en-US" sz="2800" b="1"/>
+              <a:rPr lang="en-US" sz="2800" b="1" dirty="0"/>
               <a:t>Participation in Professional Events</a:t>
             </a:r>
           </a:p>
@@ -5455,16 +5706,29 @@
             <a:pPr marL="0" indent="0">
               <a:buNone/>
             </a:pPr>
-            <a:endParaRPr lang="en-US" sz="2800" b="1"/>
+            <a:endParaRPr lang="en-US" sz="2800" b="1" dirty="0"/>
           </a:p>
           <a:p>
             <a:pPr marL="0" indent="0">
               <a:buNone/>
             </a:pPr>
-            <a:endParaRPr lang="en-US" sz="2800" b="1"/>
-          </a:p>
-          <a:p>
-            <a:endParaRPr lang="en-US"/>
+            <a:r>
+              <a:rPr lang="en-US" b="0" i="0" dirty="0">
+                <a:solidFill>
+                  <a:srgbClr val="4B4F58"/>
+                </a:solidFill>
+                <a:effectLst/>
+                <a:highlight>
+                  <a:srgbClr val="FFFFFF"/>
+                </a:highlight>
+                <a:latin typeface="-apple-system"/>
+              </a:rPr>
+              <a:t> The own developer team, a regional user group and national or international conferences</a:t>
+            </a:r>
+            <a:endParaRPr lang="en-US" sz="2800" b="1" dirty="0"/>
+          </a:p>
+          <a:p>
+            <a:endParaRPr lang="en-US" dirty="0"/>
           </a:p>
         </p:txBody>
       </p:sp>
@@ -5638,25 +5902,157 @@
         </p:nvSpPr>
         <p:spPr/>
         <p:txBody>
-          <a:bodyPr/>
+          <a:bodyPr>
+            <a:normAutofit fontScale="92500" lnSpcReduction="20000"/>
+          </a:bodyPr>
           <a:lstStyle/>
           <a:p>
             <a:pPr marL="0" indent="0">
               <a:buNone/>
             </a:pPr>
             <a:r>
-              <a:rPr lang="en-US" sz="2800" b="1"/>
-              <a:t>Complex Refactorings</a:t>
-            </a:r>
+              <a:rPr lang="en-US" sz="2800" b="1" dirty="0"/>
+              <a:t>Complex </a:t>
+            </a:r>
+            <a:r>
+              <a:rPr lang="en-US" sz="2800" b="1" dirty="0" err="1"/>
+              <a:t>Refactorings</a:t>
+            </a:r>
+            <a:endParaRPr lang="en-US" sz="2800" b="1" dirty="0"/>
           </a:p>
           <a:p>
             <a:pPr marL="0" indent="0">
               <a:buNone/>
             </a:pPr>
-            <a:endParaRPr lang="en-US" sz="2800" b="1"/>
-          </a:p>
-          <a:p>
-            <a:endParaRPr lang="en-US"/>
+            <a:r>
+              <a:rPr lang="en-US" sz="2800" dirty="0" err="1"/>
+              <a:t>Fators</a:t>
+            </a:r>
+            <a:r>
+              <a:rPr lang="en-US" sz="2800" dirty="0"/>
+              <a:t>: source code architecture</a:t>
+            </a:r>
+          </a:p>
+          <a:p>
+            <a:pPr marL="0" indent="0">
+              <a:buNone/>
+            </a:pPr>
+            <a:endParaRPr lang="en-US" sz="2800" dirty="0"/>
+          </a:p>
+          <a:p>
+            <a:pPr marL="0" indent="0">
+              <a:buNone/>
+            </a:pPr>
+            <a:r>
+              <a:rPr lang="en-US" dirty="0" err="1"/>
+              <a:t>Splir</a:t>
+            </a:r>
+            <a:r>
+              <a:rPr lang="en-US" dirty="0"/>
+              <a:t> or merge classes, modules</a:t>
+            </a:r>
+          </a:p>
+          <a:p>
+            <a:pPr marL="0" indent="0">
+              <a:buNone/>
+            </a:pPr>
+            <a:r>
+              <a:rPr lang="en-US" dirty="0"/>
+              <a:t>Optimize </a:t>
+            </a:r>
+            <a:r>
+              <a:rPr lang="en-US" dirty="0">
+                <a:solidFill>
+                  <a:srgbClr val="0D0D0D"/>
+                </a:solidFill>
+                <a:highlight>
+                  <a:srgbClr val="FFFFFF"/>
+                </a:highlight>
+                <a:latin typeface="Söhne"/>
+              </a:rPr>
+              <a:t>a</a:t>
+            </a:r>
+            <a:r>
+              <a:rPr lang="en-US" b="0" i="0" dirty="0">
+                <a:solidFill>
+                  <a:srgbClr val="0D0D0D"/>
+                </a:solidFill>
+                <a:effectLst/>
+                <a:highlight>
+                  <a:srgbClr val="FFFFFF"/>
+                </a:highlight>
+                <a:latin typeface="Söhne"/>
+              </a:rPr>
+              <a:t>pplication  </a:t>
+            </a:r>
+            <a:r>
+              <a:rPr lang="en-US" dirty="0"/>
+              <a:t>performance</a:t>
+            </a:r>
+          </a:p>
+          <a:p>
+            <a:pPr marL="0" indent="0">
+              <a:buNone/>
+            </a:pPr>
+            <a:r>
+              <a:rPr lang="en-US" dirty="0"/>
+              <a:t>Changing a</a:t>
+            </a:r>
+            <a:r>
+              <a:rPr lang="en-US" b="0" i="0" dirty="0">
+                <a:solidFill>
+                  <a:srgbClr val="0D0D0D"/>
+                </a:solidFill>
+                <a:effectLst/>
+                <a:highlight>
+                  <a:srgbClr val="FFFFFF"/>
+                </a:highlight>
+                <a:latin typeface="Söhne"/>
+              </a:rPr>
+              <a:t>pplication Architecture, programming language, framework</a:t>
+            </a:r>
+          </a:p>
+          <a:p>
+            <a:pPr marL="0" indent="0">
+              <a:buNone/>
+            </a:pPr>
+            <a:endParaRPr lang="en-US" sz="2800" dirty="0"/>
+          </a:p>
+          <a:p>
+            <a:pPr marL="0" indent="0">
+              <a:buNone/>
+            </a:pPr>
+            <a:r>
+              <a:rPr lang="en-US" dirty="0"/>
+              <a:t>improve the quality of the code</a:t>
+            </a:r>
+          </a:p>
+          <a:p>
+            <a:pPr marL="0" indent="0">
+              <a:buNone/>
+            </a:pPr>
+            <a:r>
+              <a:rPr lang="en-US" dirty="0"/>
+              <a:t>Improve the design</a:t>
+            </a:r>
+          </a:p>
+          <a:p>
+            <a:pPr marL="0" indent="0">
+              <a:buNone/>
+            </a:pPr>
+            <a:r>
+              <a:rPr lang="en-US" sz="2800" dirty="0"/>
+              <a:t>Maintain and update</a:t>
+            </a:r>
+          </a:p>
+          <a:p>
+            <a:pPr marL="0" indent="0">
+              <a:buNone/>
+            </a:pPr>
+            <a:endParaRPr lang="en-US" sz="2800" dirty="0"/>
+          </a:p>
+          <a:p>
+            <a:endParaRPr lang="en-US" dirty="0"/>
           </a:p>
         </p:txBody>
       </p:sp>
@@ -5753,11 +6149,7 @@
           <a:p>
             <a:pPr algn="ctr"/>
             <a:r>
-              <a:rPr lang="en-US">
-                <a:solidFill>
-                  <a:srgbClr val="FFFF00"/>
-                </a:solidFill>
-              </a:rPr>
+              <a:rPr lang="en-US" dirty="0"/>
               <a:t>Answer the questions</a:t>
             </a:r>
           </a:p>
@@ -6264,10 +6656,14 @@
               </a:spcBef>
             </a:pPr>
             <a:r>
-              <a:rPr lang="en-US" sz="3000"/>
-              <a:t>Focuss on the automatized testing</a:t>
-            </a:r>
-            <a:endParaRPr lang="vi-VN" sz="3000"/>
+              <a:rPr lang="en-US" sz="3000" dirty="0" err="1"/>
+              <a:t>Focussing</a:t>
+            </a:r>
+            <a:r>
+              <a:rPr lang="en-US" sz="3000" dirty="0"/>
+              <a:t> on the automatized testing</a:t>
+            </a:r>
+            <a:endParaRPr lang="vi-VN" sz="3000" dirty="0"/>
           </a:p>
           <a:p>
             <a:pPr lvl="1" defTabSz="914400">
@@ -6279,8 +6675,20 @@
               </a:spcBef>
             </a:pPr>
             <a:r>
-              <a:rPr lang="vi-VN" sz="3000"/>
-              <a:t>Using object orientation principle (encapsulation)</a:t>
+              <a:rPr lang="en-US" sz="3000" dirty="0"/>
+              <a:t>Includes principle of</a:t>
+            </a:r>
+            <a:r>
+              <a:rPr lang="vi-VN" sz="3000" dirty="0"/>
+              <a:t> object orientation</a:t>
+            </a:r>
+            <a:r>
+              <a:rPr lang="en-US" sz="3000" dirty="0"/>
+              <a:t> </a:t>
+            </a:r>
+            <a:r>
+              <a:rPr lang="vi-VN" sz="3000" dirty="0"/>
+              <a:t>(encapsulation)</a:t>
             </a:r>
           </a:p>
           <a:p>
@@ -6292,7 +6700,7 @@
                 <a:spcPts val="500"/>
               </a:spcBef>
             </a:pPr>
-            <a:endParaRPr lang="vi-VN" sz="3000"/>
+            <a:endParaRPr lang="vi-VN" sz="3000" dirty="0"/>
           </a:p>
           <a:p>
             <a:pPr lvl="1" defTabSz="914400">
@@ -6304,7 +6712,7 @@
               </a:spcBef>
             </a:pPr>
             <a:r>
-              <a:rPr lang="vi-VN" sz="3000"/>
+              <a:rPr lang="vi-VN" sz="3000" dirty="0"/>
               <a:t>Making code more clean to unsderstand</a:t>
             </a:r>
           </a:p>
@@ -6318,10 +6726,10 @@
               </a:spcBef>
             </a:pPr>
             <a:r>
-              <a:rPr lang="vi-VN" sz="3000"/>
+              <a:rPr lang="vi-VN" sz="3000" dirty="0"/>
               <a:t>Keeping the code stable</a:t>
             </a:r>
-            <a:endParaRPr lang="en-US" sz="3000"/>
+            <a:endParaRPr lang="en-US" sz="3000" dirty="0"/>
           </a:p>
         </p:txBody>
       </p:sp>
@@ -6791,32 +7199,69 @@
               <a:buNone/>
             </a:pPr>
             <a:r>
-              <a:rPr lang="en-US" sz="2800" b="1"/>
+              <a:rPr lang="en-US" sz="2800" b="1" dirty="0"/>
               <a:t>Interface Segregation Principle (ISP)</a:t>
             </a:r>
-            <a:endParaRPr lang="vi-VN" sz="2800" b="1"/>
+            <a:endParaRPr lang="vi-VN" sz="2800" b="1" dirty="0"/>
           </a:p>
           <a:p>
             <a:pPr marL="0" indent="0">
               <a:buNone/>
             </a:pPr>
-            <a:endParaRPr lang="vi-VN" b="1"/>
-          </a:p>
-          <a:p>
-            <a:pPr marL="0" indent="0">
-              <a:buNone/>
-            </a:pPr>
-            <a:r>
-              <a:rPr lang="vi-VN" sz="2800" b="1"/>
-              <a:t>Tách giao diện</a:t>
-            </a:r>
-            <a:endParaRPr lang="en-US" sz="2800" b="1"/>
-          </a:p>
-          <a:p>
-            <a:endParaRPr lang="en-US"/>
-          </a:p>
-        </p:txBody>
-      </p:sp>
+            <a:endParaRPr lang="vi-VN" b="1" dirty="0"/>
+          </a:p>
+          <a:p>
+            <a:endParaRPr lang="en-US" dirty="0"/>
+          </a:p>
+        </p:txBody>
+      </p:sp>
+      <p:pic>
+        <p:nvPicPr>
+          <p:cNvPr id="1026" name="Picture 2" descr="Interface Segregation Principle">
+            <a:extLst>
+              <a:ext uri="{FF2B5EF4-FFF2-40B4-BE49-F238E27FC236}">
+                <a16:creationId xmlns:a16="http://schemas.microsoft.com/office/drawing/2014/main" id="{EF30C6BE-0EDA-7A5B-BF60-770DCAA01F21}"/>
+              </a:ext>
+            </a:extLst>
+          </p:cNvPr>
+          <p:cNvPicPr>
+            <a:picLocks noChangeAspect="1" noChangeArrowheads="1"/>
+          </p:cNvPicPr>
+          <p:nvPr/>
+        </p:nvPicPr>
+        <p:blipFill>
+          <a:blip r:embed="rId2">
+            <a:extLst>
+              <a:ext uri="{28A0092B-C50C-407E-A947-70E740481C1C}">
+                <a14:useLocalDpi xmlns:a14="http://schemas.microsoft.com/office/drawing/2010/main" val="0"/>
+              </a:ext>
+            </a:extLst>
+          </a:blip>
+          <a:srcRect/>
+          <a:stretch>
+            <a:fillRect/>
+          </a:stretch>
+        </p:blipFill>
+        <p:spPr bwMode="auto">
+          <a:xfrm>
+            <a:off x="0" y="2605088"/>
+            <a:ext cx="12192000" cy="3571875"/>
+          </a:xfrm>
+          <a:prstGeom prst="rect">
+            <a:avLst/>
+          </a:prstGeom>
+          <a:noFill/>
+          <a:extLst>
+            <a:ext uri="{909E8E84-426E-40DD-AFC4-6F175D3DCCD1}">
+              <a14:hiddenFill xmlns:a14="http://schemas.microsoft.com/office/drawing/2010/main">
+                <a:solidFill>
+                  <a:srgbClr val="FFFFFF"/>
+                </a:solidFill>
+              </a14:hiddenFill>
+            </a:ext>
+          </a:extLst>
+        </p:spPr>
+      </p:pic>
     </p:spTree>
     <p:extLst>
       <p:ext uri="{BB962C8B-B14F-4D97-AF65-F5344CB8AC3E}">
@@ -7011,6 +7456,53 @@
           </a:p>
         </p:txBody>
       </p:sp>
+      <p:pic>
+        <p:nvPicPr>
+          <p:cNvPr id="2050" name="Picture 2" descr="Dependency Inversion Principle - Spring Framework Guru">
+            <a:extLst>
+              <a:ext uri="{FF2B5EF4-FFF2-40B4-BE49-F238E27FC236}">
+                <a16:creationId xmlns:a16="http://schemas.microsoft.com/office/drawing/2014/main" id="{FDDA2FF6-DE0A-54AA-30EE-286424EDB09D}"/>
+              </a:ext>
+            </a:extLst>
+          </p:cNvPr>
+          <p:cNvPicPr>
+            <a:picLocks noChangeAspect="1" noChangeArrowheads="1"/>
+          </p:cNvPicPr>
+          <p:nvPr/>
+        </p:nvPicPr>
+        <p:blipFill>
+          <a:blip r:embed="rId2">
+            <a:extLst>
+              <a:ext uri="{28A0092B-C50C-407E-A947-70E740481C1C}">
+                <a14:useLocalDpi xmlns:a14="http://schemas.microsoft.com/office/drawing/2010/main" val="0"/>
+              </a:ext>
+            </a:extLst>
+          </a:blip>
+          <a:srcRect/>
+          <a:stretch>
+            <a:fillRect/>
+          </a:stretch>
+        </p:blipFill>
+        <p:spPr bwMode="auto">
+          <a:xfrm>
+            <a:off x="1985962" y="2795588"/>
+            <a:ext cx="8220075" cy="3095625"/>
+          </a:xfrm>
+          <a:prstGeom prst="rect">
+            <a:avLst/>
+          </a:prstGeom>
+          <a:noFill/>
+          <a:extLst>
+            <a:ext uri="{909E8E84-426E-40DD-AFC4-6F175D3DCCD1}">
+              <a14:hiddenFill xmlns:a14="http://schemas.microsoft.com/office/drawing/2010/main">
+                <a:solidFill>
+                  <a:srgbClr val="FFFFFF"/>
+                </a:solidFill>
+              </a14:hiddenFill>
+            </a:ext>
+          </a:extLst>
+        </p:spPr>
+      </p:pic>
     </p:spTree>
     <p:extLst>
       <p:ext uri="{BB962C8B-B14F-4D97-AF65-F5344CB8AC3E}">
@@ -7200,6 +7692,53 @@
           </a:p>
         </p:txBody>
       </p:sp>
+      <p:pic>
+        <p:nvPicPr>
+          <p:cNvPr id="3074" name="Picture 2" descr="Mastering SOLID Principles: A Comprehensive Guide for Software Engineers -  InRhythm">
+            <a:extLst>
+              <a:ext uri="{FF2B5EF4-FFF2-40B4-BE49-F238E27FC236}">
+                <a16:creationId xmlns:a16="http://schemas.microsoft.com/office/drawing/2014/main" id="{722F67D6-760A-223A-CB55-D32BDD05F265}"/>
+              </a:ext>
+            </a:extLst>
+          </p:cNvPr>
+          <p:cNvPicPr>
+            <a:picLocks noChangeAspect="1" noChangeArrowheads="1"/>
+          </p:cNvPicPr>
+          <p:nvPr/>
+        </p:nvPicPr>
+        <p:blipFill>
+          <a:blip r:embed="rId2">
+            <a:extLst>
+              <a:ext uri="{28A0092B-C50C-407E-A947-70E740481C1C}">
+                <a14:useLocalDpi xmlns:a14="http://schemas.microsoft.com/office/drawing/2010/main" val="0"/>
+              </a:ext>
+            </a:extLst>
+          </a:blip>
+          <a:srcRect/>
+          <a:stretch>
+            <a:fillRect/>
+          </a:stretch>
+        </p:blipFill>
+        <p:spPr bwMode="auto">
+          <a:xfrm>
+            <a:off x="4316895" y="2408986"/>
+            <a:ext cx="3977309" cy="3767977"/>
+          </a:xfrm>
+          <a:prstGeom prst="rect">
+            <a:avLst/>
+          </a:prstGeom>
+          <a:noFill/>
+          <a:extLst>
+            <a:ext uri="{909E8E84-426E-40DD-AFC4-6F175D3DCCD1}">
+              <a14:hiddenFill xmlns:a14="http://schemas.microsoft.com/office/drawing/2010/main">
+                <a:solidFill>
+                  <a:srgbClr val="FFFFFF"/>
+                </a:solidFill>
+              </a14:hiddenFill>
+            </a:ext>
+          </a:extLst>
+        </p:spPr>
+      </p:pic>
     </p:spTree>
     <p:extLst>
       <p:ext uri="{BB962C8B-B14F-4D97-AF65-F5344CB8AC3E}">
@@ -7342,12 +7881,37 @@
               <a:buNone/>
             </a:pPr>
             <a:r>
-              <a:rPr lang="en-US" sz="2800" b="1"/>
+              <a:rPr lang="en-US" sz="2800" b="1" dirty="0"/>
               <a:t>Principle of Least Astonishment</a:t>
             </a:r>
           </a:p>
           <a:p>
-            <a:endParaRPr lang="en-US"/>
+            <a:pPr marL="0" indent="0">
+              <a:buNone/>
+            </a:pPr>
+            <a:endParaRPr lang="en-US" b="1" dirty="0"/>
+          </a:p>
+          <a:p>
+            <a:pPr marL="0" indent="0">
+              <a:buNone/>
+            </a:pPr>
+            <a:r>
+              <a:rPr lang="en-US" b="0" i="0" dirty="0">
+                <a:solidFill>
+                  <a:srgbClr val="242424"/>
+                </a:solidFill>
+                <a:effectLst/>
+                <a:highlight>
+                  <a:srgbClr val="FFFFFF"/>
+                </a:highlight>
+                <a:latin typeface="source-serif-pro"/>
+              </a:rPr>
+              <a:t>If a necessary feature has a high astonishment factor, it may be necessary to redesign the feature</a:t>
+            </a:r>
+            <a:endParaRPr lang="en-US" sz="2800" b="1" dirty="0"/>
+          </a:p>
+          <a:p>
+            <a:endParaRPr lang="en-US" dirty="0"/>
           </a:p>
         </p:txBody>
       </p:sp>
@@ -7528,12 +8092,26 @@
               <a:buNone/>
             </a:pPr>
             <a:r>
-              <a:rPr lang="en-US" sz="2800" b="1"/>
+              <a:rPr lang="en-US" sz="2800" b="1" dirty="0"/>
               <a:t>Information Hiding Principle</a:t>
             </a:r>
           </a:p>
           <a:p>
-            <a:endParaRPr lang="en-US"/>
+            <a:pPr marL="0" indent="0">
+              <a:buNone/>
+            </a:pPr>
+            <a:r>
+              <a:rPr lang="en-US" dirty="0"/>
+              <a:t>Related to encapsulation </a:t>
+            </a:r>
+            <a:r>
+              <a:rPr lang="en-US" dirty="0" err="1"/>
+              <a:t>oop</a:t>
+            </a:r>
+            <a:endParaRPr lang="en-US" sz="2800" dirty="0"/>
+          </a:p>
+          <a:p>
+            <a:endParaRPr lang="en-US" dirty="0"/>
           </a:p>
         </p:txBody>
       </p:sp>
@@ -7572,6 +8150,100 @@
           </a:p>
         </p:txBody>
       </p:sp>
+      <p:pic>
+        <p:nvPicPr>
+          <p:cNvPr id="4098" name="Picture 2">
+            <a:extLst>
+              <a:ext uri="{FF2B5EF4-FFF2-40B4-BE49-F238E27FC236}">
+                <a16:creationId xmlns:a16="http://schemas.microsoft.com/office/drawing/2014/main" id="{396E94BA-9E0D-E796-962F-6DAE703F2BBC}"/>
+              </a:ext>
+            </a:extLst>
+          </p:cNvPr>
+          <p:cNvPicPr>
+            <a:picLocks noChangeAspect="1" noChangeArrowheads="1"/>
+          </p:cNvPicPr>
+          <p:nvPr/>
+        </p:nvPicPr>
+        <p:blipFill>
+          <a:blip r:embed="rId2">
+            <a:extLst>
+              <a:ext uri="{28A0092B-C50C-407E-A947-70E740481C1C}">
+                <a14:useLocalDpi xmlns:a14="http://schemas.microsoft.com/office/drawing/2010/main" val="0"/>
+              </a:ext>
+            </a:extLst>
+          </a:blip>
+          <a:srcRect/>
+          <a:stretch>
+            <a:fillRect/>
+          </a:stretch>
+        </p:blipFill>
+        <p:spPr bwMode="auto">
+          <a:xfrm>
+            <a:off x="863996" y="2966382"/>
+            <a:ext cx="3759236" cy="2663687"/>
+          </a:xfrm>
+          <a:prstGeom prst="rect">
+            <a:avLst/>
+          </a:prstGeom>
+          <a:noFill/>
+          <a:extLst>
+            <a:ext uri="{909E8E84-426E-40DD-AFC4-6F175D3DCCD1}">
+              <a14:hiddenFill xmlns:a14="http://schemas.microsoft.com/office/drawing/2010/main">
+                <a:solidFill>
+                  <a:srgbClr val="FFFFFF"/>
+                </a:solidFill>
+              </a14:hiddenFill>
+            </a:ext>
+          </a:extLst>
+        </p:spPr>
+      </p:pic>
+      <p:pic>
+        <p:nvPicPr>
+          <p:cNvPr id="4100" name="Picture 4">
+            <a:extLst>
+              <a:ext uri="{FF2B5EF4-FFF2-40B4-BE49-F238E27FC236}">
+                <a16:creationId xmlns:a16="http://schemas.microsoft.com/office/drawing/2014/main" id="{48B1364C-539F-382C-BDFB-6AD9BD45DD60}"/>
+              </a:ext>
+            </a:extLst>
+          </p:cNvPr>
+          <p:cNvPicPr>
+            <a:picLocks noChangeAspect="1" noChangeArrowheads="1"/>
+          </p:cNvPicPr>
+          <p:nvPr/>
+        </p:nvPicPr>
+        <p:blipFill>
+          <a:blip r:embed="rId3">
+            <a:extLst>
+              <a:ext uri="{28A0092B-C50C-407E-A947-70E740481C1C}">
+                <a14:useLocalDpi xmlns:a14="http://schemas.microsoft.com/office/drawing/2010/main" val="0"/>
+              </a:ext>
+            </a:extLst>
+          </a:blip>
+          <a:srcRect/>
+          <a:stretch>
+            <a:fillRect/>
+          </a:stretch>
+        </p:blipFill>
+        <p:spPr bwMode="auto">
+          <a:xfrm>
+            <a:off x="5186362" y="2919413"/>
+            <a:ext cx="5934075" cy="3257550"/>
+          </a:xfrm>
+          <a:prstGeom prst="rect">
+            <a:avLst/>
+          </a:prstGeom>
+          <a:noFill/>
+          <a:extLst>
+            <a:ext uri="{909E8E84-426E-40DD-AFC4-6F175D3DCCD1}">
+              <a14:hiddenFill xmlns:a14="http://schemas.microsoft.com/office/drawing/2010/main">
+                <a:solidFill>
+                  <a:srgbClr val="FFFFFF"/>
+                </a:solidFill>
+              </a14:hiddenFill>
+            </a:ext>
+          </a:extLst>
+        </p:spPr>
+      </p:pic>
     </p:spTree>
     <p:extLst>
       <p:ext uri="{BB962C8B-B14F-4D97-AF65-F5344CB8AC3E}">
@@ -8449,6 +9121,15 @@
 </file>
 
 <file path=customXml/item1.xml><?xml version="1.0" encoding="utf-8"?>
+<?mso-contentType ?>
+<FormTemplates xmlns="http://schemas.microsoft.com/sharepoint/v3/contenttype/forms">
+  <Display>DocumentLibraryForm</Display>
+  <Edit>DocumentLibraryForm</Edit>
+  <New>DocumentLibraryForm</New>
+</FormTemplates>
+</file>
+
+<file path=customXml/item2.xml><?xml version="1.0" encoding="utf-8"?>
 <p:properties xmlns:p="http://schemas.microsoft.com/office/2006/metadata/properties" xmlns:xsi="http://www.w3.org/2001/XMLSchema-instance" xmlns:pc="http://schemas.microsoft.com/office/infopath/2007/PartnerControls">
   <documentManagement>
     <TaxCatchAll xmlns="231742ab-05ec-4f96-a981-a771f0dc5ac4" xsi:nil="true"/>
@@ -8457,15 +9138,6 @@
     </lcf76f155ced4ddcb4097134ff3c332f>
   </documentManagement>
 </p:properties>
-</file>
-
-<file path=customXml/item2.xml><?xml version="1.0" encoding="utf-8"?>
-<?mso-contentType ?>
-<FormTemplates xmlns="http://schemas.microsoft.com/sharepoint/v3/contenttype/forms">
-  <Display>DocumentLibraryForm</Display>
-  <Edit>DocumentLibraryForm</Edit>
-  <New>DocumentLibraryForm</New>
-</FormTemplates>
 </file>
 
 <file path=customXml/item3.xml><?xml version="1.0" encoding="utf-8"?>
@@ -8684,20 +9356,20 @@
 </file>
 
 <file path=customXml/itemProps1.xml><?xml version="1.0" encoding="utf-8"?>
+<ds:datastoreItem xmlns:ds="http://schemas.openxmlformats.org/officeDocument/2006/customXml" ds:itemID="{A373C971-40AF-4018-B4E4-CFAD404470C3}">
+  <ds:schemaRefs>
+    <ds:schemaRef ds:uri="http://schemas.microsoft.com/sharepoint/v3/contenttype/forms"/>
+  </ds:schemaRefs>
+</ds:datastoreItem>
+</file>
+
+<file path=customXml/itemProps2.xml><?xml version="1.0" encoding="utf-8"?>
 <ds:datastoreItem xmlns:ds="http://schemas.openxmlformats.org/officeDocument/2006/customXml" ds:itemID="{65DB626F-72E2-49BA-8CB3-D64BACF09F7B}">
   <ds:schemaRefs>
     <ds:schemaRef ds:uri="http://schemas.microsoft.com/office/2006/metadata/properties"/>
     <ds:schemaRef ds:uri="http://schemas.microsoft.com/office/infopath/2007/PartnerControls"/>
     <ds:schemaRef ds:uri="231742ab-05ec-4f96-a981-a771f0dc5ac4"/>
     <ds:schemaRef ds:uri="f629341c-4cde-4c27-8491-b27ba532aee8"/>
-  </ds:schemaRefs>
-</ds:datastoreItem>
-</file>
-
-<file path=customXml/itemProps2.xml><?xml version="1.0" encoding="utf-8"?>
-<ds:datastoreItem xmlns:ds="http://schemas.openxmlformats.org/officeDocument/2006/customXml" ds:itemID="{A373C971-40AF-4018-B4E4-CFAD404470C3}">
-  <ds:schemaRefs>
-    <ds:schemaRef ds:uri="http://schemas.microsoft.com/sharepoint/v3/contenttype/forms"/>
   </ds:schemaRefs>
 </ds:datastoreItem>
 </file>
